--- a/figures/dotnetNew.pptx
+++ b/figures/dotnetNew.pptx
@@ -104,6 +104,11 @@
       </a:defRPr>
     </a:lvl9pPr>
   </p:defaultTextStyle>
+  <p:extLst>
+    <p:ext uri="{EFAFB233-063F-42B5-8137-9DF3F51BA10A}">
+      <p15:sldGuideLst xmlns:p15="http://schemas.microsoft.com/office/powerpoint/2012/main"/>
+    </p:ext>
+  </p:extLst>
 </p:presentation>
 </file>
 
@@ -238,7 +243,7 @@
           <a:p>
             <a:fld id="{83F11AE9-BC90-5147-88C9-3F5E85AF2959}" type="datetimeFigureOut">
               <a:rPr lang="en-DK" smtClean="0"/>
-              <a:t>29/09/2022</a:t>
+              <a:t>01/10/2022</a:t>
             </a:fld>
             <a:endParaRPr lang="en-DK"/>
           </a:p>
@@ -408,7 +413,7 @@
           <a:p>
             <a:fld id="{83F11AE9-BC90-5147-88C9-3F5E85AF2959}" type="datetimeFigureOut">
               <a:rPr lang="en-DK" smtClean="0"/>
-              <a:t>29/09/2022</a:t>
+              <a:t>01/10/2022</a:t>
             </a:fld>
             <a:endParaRPr lang="en-DK"/>
           </a:p>
@@ -588,7 +593,7 @@
           <a:p>
             <a:fld id="{83F11AE9-BC90-5147-88C9-3F5E85AF2959}" type="datetimeFigureOut">
               <a:rPr lang="en-DK" smtClean="0"/>
-              <a:t>29/09/2022</a:t>
+              <a:t>01/10/2022</a:t>
             </a:fld>
             <a:endParaRPr lang="en-DK"/>
           </a:p>
@@ -758,7 +763,7 @@
           <a:p>
             <a:fld id="{83F11AE9-BC90-5147-88C9-3F5E85AF2959}" type="datetimeFigureOut">
               <a:rPr lang="en-DK" smtClean="0"/>
-              <a:t>29/09/2022</a:t>
+              <a:t>01/10/2022</a:t>
             </a:fld>
             <a:endParaRPr lang="en-DK"/>
           </a:p>
@@ -1004,7 +1009,7 @@
           <a:p>
             <a:fld id="{83F11AE9-BC90-5147-88C9-3F5E85AF2959}" type="datetimeFigureOut">
               <a:rPr lang="en-DK" smtClean="0"/>
-              <a:t>29/09/2022</a:t>
+              <a:t>01/10/2022</a:t>
             </a:fld>
             <a:endParaRPr lang="en-DK"/>
           </a:p>
@@ -1236,7 +1241,7 @@
           <a:p>
             <a:fld id="{83F11AE9-BC90-5147-88C9-3F5E85AF2959}" type="datetimeFigureOut">
               <a:rPr lang="en-DK" smtClean="0"/>
-              <a:t>29/09/2022</a:t>
+              <a:t>01/10/2022</a:t>
             </a:fld>
             <a:endParaRPr lang="en-DK"/>
           </a:p>
@@ -1603,7 +1608,7 @@
           <a:p>
             <a:fld id="{83F11AE9-BC90-5147-88C9-3F5E85AF2959}" type="datetimeFigureOut">
               <a:rPr lang="en-DK" smtClean="0"/>
-              <a:t>29/09/2022</a:t>
+              <a:t>01/10/2022</a:t>
             </a:fld>
             <a:endParaRPr lang="en-DK"/>
           </a:p>
@@ -1721,7 +1726,7 @@
           <a:p>
             <a:fld id="{83F11AE9-BC90-5147-88C9-3F5E85AF2959}" type="datetimeFigureOut">
               <a:rPr lang="en-DK" smtClean="0"/>
-              <a:t>29/09/2022</a:t>
+              <a:t>01/10/2022</a:t>
             </a:fld>
             <a:endParaRPr lang="en-DK"/>
           </a:p>
@@ -1816,7 +1821,7 @@
           <a:p>
             <a:fld id="{83F11AE9-BC90-5147-88C9-3F5E85AF2959}" type="datetimeFigureOut">
               <a:rPr lang="en-DK" smtClean="0"/>
-              <a:t>29/09/2022</a:t>
+              <a:t>01/10/2022</a:t>
             </a:fld>
             <a:endParaRPr lang="en-DK"/>
           </a:p>
@@ -2093,7 +2098,7 @@
           <a:p>
             <a:fld id="{83F11AE9-BC90-5147-88C9-3F5E85AF2959}" type="datetimeFigureOut">
               <a:rPr lang="en-DK" smtClean="0"/>
-              <a:t>29/09/2022</a:t>
+              <a:t>01/10/2022</a:t>
             </a:fld>
             <a:endParaRPr lang="en-DK"/>
           </a:p>
@@ -2350,7 +2355,7 @@
           <a:p>
             <a:fld id="{83F11AE9-BC90-5147-88C9-3F5E85AF2959}" type="datetimeFigureOut">
               <a:rPr lang="en-DK" smtClean="0"/>
-              <a:t>29/09/2022</a:t>
+              <a:t>01/10/2022</a:t>
             </a:fld>
             <a:endParaRPr lang="en-DK"/>
           </a:p>
@@ -2563,7 +2568,7 @@
           <a:p>
             <a:fld id="{83F11AE9-BC90-5147-88C9-3F5E85AF2959}" type="datetimeFigureOut">
               <a:rPr lang="en-DK" smtClean="0"/>
-              <a:t>29/09/2022</a:t>
+              <a:t>01/10/2022</a:t>
             </a:fld>
             <a:endParaRPr lang="en-DK"/>
           </a:p>
